--- a/custom script.pptx
+++ b/custom script.pptx
@@ -256,7 +256,7 @@
             <a:fld id="{6AEF9144-1A84-49D7-A917-0672F319F0E3}" type="datetimeFigureOut">
               <a:rPr lang="zh-CN" altLang="en-US" smtClean="0"/>
               <a:pPr/>
-              <a:t>20/3/7</a:t>
+              <a:t>20/3/8</a:t>
             </a:fld>
             <a:endParaRPr lang="zh-CN" altLang="en-US"/>
           </a:p>
@@ -1075,7 +1075,7 @@
             <a:fld id="{B82A34D6-9213-4FC6-A6D6-AFCBEA83F44C}" type="datetimeFigureOut">
               <a:rPr lang="zh-CN" altLang="en-US" smtClean="0"/>
               <a:pPr/>
-              <a:t>20/3/7</a:t>
+              <a:t>20/3/8</a:t>
             </a:fld>
             <a:endParaRPr lang="zh-CN" altLang="en-US"/>
           </a:p>
@@ -3208,7 +3208,7 @@
             <a:fld id="{B82A34D6-9213-4FC6-A6D6-AFCBEA83F44C}" type="datetimeFigureOut">
               <a:rPr lang="zh-CN" altLang="en-US" smtClean="0"/>
               <a:pPr/>
-              <a:t>20/3/7</a:t>
+              <a:t>20/3/8</a:t>
             </a:fld>
             <a:endParaRPr lang="zh-CN" altLang="en-US"/>
           </a:p>
@@ -3839,6 +3839,13 @@
     <a:masterClrMapping/>
   </p:clrMapOvr>
   <p:transition/>
+  <p:timing>
+    <p:tnLst>
+      <p:par>
+        <p:cTn id="1" dur="indefinite" restart="never" nodeType="tmRoot"/>
+      </p:par>
+    </p:tnLst>
+  </p:timing>
 </p:sld>
 </file>
 
@@ -4266,17 +4273,17 @@
               <a:t>“</a:t>
             </a:r>
             <a:r>
-              <a:rPr lang="en-US" altLang="zh-CN" dirty="0" err="1" smtClean="0">
-                <a:solidFill>
-                  <a:srgbClr val="C00000"/>
+              <a:rPr lang="en-US" altLang="zh-CN" dirty="0" err="1">
+                <a:solidFill>
+                  <a:schemeClr val="tx1"/>
                 </a:solidFill>
               </a:rPr>
               <a:t>pgbench</a:t>
             </a:r>
             <a:r>
-              <a:rPr lang="en-US" altLang="zh-CN" dirty="0" smtClean="0">
-                <a:solidFill>
-                  <a:srgbClr val="C00000"/>
+              <a:rPr lang="en-US" altLang="zh-CN" dirty="0">
+                <a:solidFill>
+                  <a:schemeClr val="tx1"/>
                 </a:solidFill>
               </a:rPr>
               <a:t> </a:t>
@@ -4396,7 +4403,7 @@
             <a:r>
               <a:rPr lang="en-US" altLang="zh-CN" dirty="0" err="1" smtClean="0">
                 <a:solidFill>
-                  <a:srgbClr val="C00000"/>
+                  <a:schemeClr val="tx1"/>
                 </a:solidFill>
               </a:rPr>
               <a:t>pgbench</a:t>
@@ -4404,7 +4411,7 @@
             <a:r>
               <a:rPr lang="en-US" altLang="zh-CN" dirty="0" smtClean="0">
                 <a:solidFill>
-                  <a:srgbClr val="C00000"/>
+                  <a:schemeClr val="tx1"/>
                 </a:solidFill>
               </a:rPr>
               <a:t> </a:t>
@@ -4450,20 +4457,12 @@
               <a:t> </a:t>
             </a:r>
             <a:r>
-              <a:rPr lang="en-US" altLang="zh-CN" dirty="0">
+              <a:rPr lang="zh-CN" altLang="en-US" dirty="0" smtClean="0">
                 <a:solidFill>
                   <a:schemeClr val="tx1"/>
                 </a:solidFill>
               </a:rPr>
-              <a:t>-U </a:t>
-            </a:r>
-            <a:r>
-              <a:rPr lang="zh-CN" altLang="en-US" dirty="0" smtClean="0">
-                <a:solidFill>
-                  <a:schemeClr val="tx1"/>
-                </a:solidFill>
-              </a:rPr>
-              <a:t>  </a:t>
+              <a:t> </a:t>
             </a:r>
             <a:r>
               <a:rPr lang="en-US" altLang="zh-CN" dirty="0" smtClean="0">
@@ -5621,6 +5620,13 @@
   <p:clrMapOvr>
     <a:masterClrMapping/>
   </p:clrMapOvr>
+  <p:timing>
+    <p:tnLst>
+      <p:par>
+        <p:cTn id="1" dur="indefinite" restart="never" nodeType="tmRoot"/>
+      </p:par>
+    </p:tnLst>
+  </p:timing>
 </p:sld>
 </file>
 
@@ -5754,6 +5760,13 @@
   <p:clrMapOvr>
     <a:masterClrMapping/>
   </p:clrMapOvr>
+  <p:timing>
+    <p:tnLst>
+      <p:par>
+        <p:cTn id="1" dur="indefinite" restart="never" nodeType="tmRoot"/>
+      </p:par>
+    </p:tnLst>
+  </p:timing>
 </p:sld>
 </file>
 
@@ -5878,6 +5891,13 @@
   <p:clrMapOvr>
     <a:masterClrMapping/>
   </p:clrMapOvr>
+  <p:timing>
+    <p:tnLst>
+      <p:par>
+        <p:cTn id="1" dur="indefinite" restart="never" nodeType="tmRoot"/>
+      </p:par>
+    </p:tnLst>
+  </p:timing>
 </p:sld>
 </file>
 
@@ -6014,6 +6034,13 @@
   <p:clrMapOvr>
     <a:masterClrMapping/>
   </p:clrMapOvr>
+  <p:timing>
+    <p:tnLst>
+      <p:par>
+        <p:cTn id="1" dur="indefinite" restart="never" nodeType="tmRoot"/>
+      </p:par>
+    </p:tnLst>
+  </p:timing>
 </p:sld>
 </file>
 
@@ -7725,19 +7752,6 @@
               </a:rPr>
               <a:t>project?</a:t>
             </a:r>
-            <a:endParaRPr lang="en-US" altLang="zh-CN" sz="4400" dirty="0" smtClean="0">
-              <a:ln w="0"/>
-              <a:solidFill>
-                <a:schemeClr val="accent1"/>
-              </a:solidFill>
-              <a:effectLst>
-                <a:outerShdw blurRad="38100" dist="25400" dir="5400000" algn="ctr" rotWithShape="0">
-                  <a:srgbClr val="6E747A">
-                    <a:alpha val="43000"/>
-                  </a:srgbClr>
-                </a:outerShdw>
-              </a:effectLst>
-            </a:endParaRPr>
           </a:p>
         </p:txBody>
       </p:sp>
@@ -7751,6 +7765,13 @@
   <p:clrMapOvr>
     <a:masterClrMapping/>
   </p:clrMapOvr>
+  <p:timing>
+    <p:tnLst>
+      <p:par>
+        <p:cTn id="1" dur="indefinite" restart="never" nodeType="tmRoot"/>
+      </p:par>
+    </p:tnLst>
+  </p:timing>
 </p:sld>
 </file>
 
@@ -8106,6 +8127,13 @@
   <p:clrMapOvr>
     <a:masterClrMapping/>
   </p:clrMapOvr>
+  <p:timing>
+    <p:tnLst>
+      <p:par>
+        <p:cTn id="1" dur="indefinite" restart="never" nodeType="tmRoot"/>
+      </p:par>
+    </p:tnLst>
+  </p:timing>
 </p:sld>
 </file>
 
@@ -8248,13 +8276,6 @@
               </a:rPr>
               <a:t>case</a:t>
             </a:r>
-            <a:endParaRPr lang="en-US" altLang="zh-CN" dirty="0">
-              <a:solidFill>
-                <a:schemeClr val="accent1">
-                  <a:lumMod val="75000"/>
-                </a:schemeClr>
-              </a:solidFill>
-            </a:endParaRPr>
           </a:p>
         </p:txBody>
       </p:sp>
